--- a/Template.pptx
+++ b/Template.pptx
@@ -14,7 +14,7 @@
   <p:notesSz cx="6858000" cy="9144000"/>
   <p:embeddedFontLst>
     <p:embeddedFont>
-      <p:font typeface="Th Sarabun New Bold" panose="020B0500040200020003" pitchFamily="34" charset="-34"/>
+      <p:font typeface="Th Sarabun New Bold" panose="020B0604020202020204" charset="-34"/>
       <p:regular r:id="rId4"/>
       <p:bold r:id="rId5"/>
     </p:embeddedFont>
@@ -225,7 +225,7 @@
           <a:p>
             <a:fld id="{1058D26A-E432-4FDC-9ABF-A3645BA7F537}" type="datetimeFigureOut">
               <a:rPr lang="en-US" smtClean="0"/>
-              <a:t>11/23/2025</a:t>
+              <a:t>11/24/2025</a:t>
             </a:fld>
             <a:endParaRPr lang="en-US"/>
           </a:p>
@@ -558,7 +558,7 @@
         </p:nvSpPr>
         <p:spPr>
           <a:xfrm>
-            <a:off x="4876800" y="3155950"/>
+            <a:off x="5029200" y="3155950"/>
             <a:ext cx="4648200" cy="3330575"/>
           </a:xfrm>
         </p:spPr>
@@ -618,7 +618,7 @@
         </p:nvSpPr>
         <p:spPr>
           <a:xfrm>
-            <a:off x="4884420" y="6721476"/>
+            <a:off x="5036820" y="6721476"/>
             <a:ext cx="4648200" cy="3330575"/>
           </a:xfrm>
         </p:spPr>
@@ -835,7 +835,7 @@
             <a:fld id="{1D8BD707-D9CF-40AE-B4C6-C98DA3205C09}" type="datetimeFigureOut">
               <a:rPr lang="en-US" smtClean="0"/>
               <a:pPr/>
-              <a:t>11/23/2025</a:t>
+              <a:t>11/24/2025</a:t>
             </a:fld>
             <a:endParaRPr lang="en-US"/>
           </a:p>
@@ -1000,7 +1000,7 @@
             <a:fld id="{1D8BD707-D9CF-40AE-B4C6-C98DA3205C09}" type="datetimeFigureOut">
               <a:rPr lang="en-US" smtClean="0"/>
               <a:pPr/>
-              <a:t>11/23/2025</a:t>
+              <a:t>11/24/2025</a:t>
             </a:fld>
             <a:endParaRPr lang="en-US"/>
           </a:p>
@@ -1175,7 +1175,7 @@
             <a:fld id="{1D8BD707-D9CF-40AE-B4C6-C98DA3205C09}" type="datetimeFigureOut">
               <a:rPr lang="en-US" smtClean="0"/>
               <a:pPr/>
-              <a:t>11/23/2025</a:t>
+              <a:t>11/24/2025</a:t>
             </a:fld>
             <a:endParaRPr lang="en-US"/>
           </a:p>
@@ -1412,7 +1412,7 @@
             <a:fld id="{1D8BD707-D9CF-40AE-B4C6-C98DA3205C09}" type="datetimeFigureOut">
               <a:rPr lang="en-US" smtClean="0"/>
               <a:pPr/>
-              <a:t>11/23/2025</a:t>
+              <a:t>11/24/2025</a:t>
             </a:fld>
             <a:endParaRPr lang="en-US"/>
           </a:p>
@@ -1577,7 +1577,7 @@
             <a:fld id="{1D8BD707-D9CF-40AE-B4C6-C98DA3205C09}" type="datetimeFigureOut">
               <a:rPr lang="en-US" smtClean="0"/>
               <a:pPr/>
-              <a:t>11/23/2025</a:t>
+              <a:t>11/24/2025</a:t>
             </a:fld>
             <a:endParaRPr lang="en-US"/>
           </a:p>
@@ -1819,7 +1819,7 @@
             <a:fld id="{1D8BD707-D9CF-40AE-B4C6-C98DA3205C09}" type="datetimeFigureOut">
               <a:rPr lang="en-US" smtClean="0"/>
               <a:pPr/>
-              <a:t>11/23/2025</a:t>
+              <a:t>11/24/2025</a:t>
             </a:fld>
             <a:endParaRPr lang="en-US"/>
           </a:p>
@@ -2101,7 +2101,7 @@
             <a:fld id="{1D8BD707-D9CF-40AE-B4C6-C98DA3205C09}" type="datetimeFigureOut">
               <a:rPr lang="en-US" smtClean="0"/>
               <a:pPr/>
-              <a:t>11/23/2025</a:t>
+              <a:t>11/24/2025</a:t>
             </a:fld>
             <a:endParaRPr lang="en-US"/>
           </a:p>
@@ -2517,7 +2517,7 @@
             <a:fld id="{1D8BD707-D9CF-40AE-B4C6-C98DA3205C09}" type="datetimeFigureOut">
               <a:rPr lang="en-US" smtClean="0"/>
               <a:pPr/>
-              <a:t>11/23/2025</a:t>
+              <a:t>11/24/2025</a:t>
             </a:fld>
             <a:endParaRPr lang="en-US"/>
           </a:p>
@@ -2631,7 +2631,7 @@
             <a:fld id="{1D8BD707-D9CF-40AE-B4C6-C98DA3205C09}" type="datetimeFigureOut">
               <a:rPr lang="en-US" smtClean="0"/>
               <a:pPr/>
-              <a:t>11/23/2025</a:t>
+              <a:t>11/24/2025</a:t>
             </a:fld>
             <a:endParaRPr lang="en-US"/>
           </a:p>
@@ -2723,7 +2723,7 @@
             <a:fld id="{1D8BD707-D9CF-40AE-B4C6-C98DA3205C09}" type="datetimeFigureOut">
               <a:rPr lang="en-US" smtClean="0"/>
               <a:pPr/>
-              <a:t>11/23/2025</a:t>
+              <a:t>11/24/2025</a:t>
             </a:fld>
             <a:endParaRPr lang="en-US"/>
           </a:p>
@@ -2995,7 +2995,7 @@
             <a:fld id="{1D8BD707-D9CF-40AE-B4C6-C98DA3205C09}" type="datetimeFigureOut">
               <a:rPr lang="en-US" smtClean="0"/>
               <a:pPr/>
-              <a:t>11/23/2025</a:t>
+              <a:t>11/24/2025</a:t>
             </a:fld>
             <a:endParaRPr lang="en-US"/>
           </a:p>
@@ -3203,7 +3203,7 @@
             <a:fld id="{1D8BD707-D9CF-40AE-B4C6-C98DA3205C09}" type="datetimeFigureOut">
               <a:rPr lang="en-US" smtClean="0"/>
               <a:pPr/>
-              <a:t>11/23/2025</a:t>
+              <a:t>11/24/2025</a:t>
             </a:fld>
             <a:endParaRPr lang="en-US"/>
           </a:p>
@@ -5538,7 +5538,7 @@
         <p:spPr>
           <a:xfrm>
             <a:off x="4839480" y="787879"/>
-            <a:ext cx="8609040" cy="1104148"/>
+            <a:ext cx="8609040" cy="1011815"/>
           </a:xfrm>
           <a:prstGeom prst="rect">
             <a:avLst/>
@@ -5556,7 +5556,7 @@
               </a:lnSpc>
             </a:pPr>
             <a:r>
-              <a:rPr lang="en-US" sz="5400" b="1" spc="-56" dirty="0">
+              <a:rPr lang="en-US" sz="4000" b="1" spc="-56" dirty="0">
                 <a:solidFill>
                   <a:srgbClr val="FFD401"/>
                 </a:solidFill>
